--- a/Capstone_Presentation.pptx
+++ b/Capstone_Presentation.pptx
@@ -343,7 +343,7 @@
             <a:fld id="{04AF466F-BDA4-4F18-9C7B-FF0A9A1B0E80}" type="datetime1">
               <a:rPr lang="en-US" smtClean="0"/>
               <a:pPr/>
-              <a:t>12/29/17</a:t>
+              <a:t>1/7/18</a:t>
             </a:fld>
             <a:endParaRPr lang="en-US"/>
           </a:p>
@@ -510,7 +510,7 @@
             <a:fld id="{58FB4290-6522-4139-852E-05BD9E7F0D2E}" type="datetime1">
               <a:rPr lang="en-US" smtClean="0"/>
               <a:pPr/>
-              <a:t>12/29/17</a:t>
+              <a:t>1/7/18</a:t>
             </a:fld>
             <a:endParaRPr lang="en-US"/>
           </a:p>
@@ -687,7 +687,7 @@
             <a:fld id="{AAB955F9-81EA-47C5-8059-9E5C2B437C70}" type="datetime1">
               <a:rPr lang="en-US" smtClean="0"/>
               <a:pPr/>
-              <a:t>12/29/17</a:t>
+              <a:t>1/7/18</a:t>
             </a:fld>
             <a:endParaRPr lang="en-US"/>
           </a:p>
@@ -854,7 +854,7 @@
             <a:fld id="{1CEF607B-A47E-422C-9BEF-122CCDB7C526}" type="datetime1">
               <a:rPr lang="en-US" smtClean="0"/>
               <a:pPr/>
-              <a:t>12/29/17</a:t>
+              <a:t>1/7/18</a:t>
             </a:fld>
             <a:endParaRPr lang="en-US"/>
           </a:p>
@@ -1097,7 +1097,7 @@
             <a:fld id="{63A9A7CB-BEE6-4F99-898E-913F06E8E125}" type="datetime1">
               <a:rPr lang="en-US" smtClean="0"/>
               <a:pPr/>
-              <a:t>12/29/17</a:t>
+              <a:t>1/7/18</a:t>
             </a:fld>
             <a:endParaRPr lang="en-US"/>
           </a:p>
@@ -1382,7 +1382,7 @@
             <a:fld id="{B6EE300C-6FC5-4FC3-AF1A-075E4F50620D}" type="datetime1">
               <a:rPr lang="en-US" smtClean="0"/>
               <a:pPr/>
-              <a:t>12/29/17</a:t>
+              <a:t>1/7/18</a:t>
             </a:fld>
             <a:endParaRPr lang="en-US"/>
           </a:p>
@@ -1813,7 +1813,7 @@
             <a:fld id="{F50D295D-4A77-4DEB-B04C-9F4282A8BC04}" type="datetime1">
               <a:rPr lang="en-US" smtClean="0"/>
               <a:pPr/>
-              <a:t>12/29/17</a:t>
+              <a:t>1/7/18</a:t>
             </a:fld>
             <a:endParaRPr lang="en-US"/>
           </a:p>
@@ -1928,7 +1928,7 @@
             <a:fld id="{02B28685-4D0C-42D5-8013-B5904CD1FCBC}" type="datetime1">
               <a:rPr lang="en-US" smtClean="0"/>
               <a:pPr/>
-              <a:t>12/29/17</a:t>
+              <a:t>1/7/18</a:t>
             </a:fld>
             <a:endParaRPr lang="en-US"/>
           </a:p>
@@ -2020,7 +2020,7 @@
             <a:fld id="{FDF226C0-9885-4BA9-BBFA-A52CBFEBB775}" type="datetime1">
               <a:rPr lang="en-US" smtClean="0"/>
               <a:pPr/>
-              <a:t>12/29/17</a:t>
+              <a:t>1/7/18</a:t>
             </a:fld>
             <a:endParaRPr lang="en-US"/>
           </a:p>
@@ -2211,7 +2211,7 @@
             <a:fld id="{EBEE1B38-C5EB-4D66-9137-0AFE9CDEDE8F}" type="datetime1">
               <a:rPr lang="en-US" smtClean="0"/>
               <a:pPr/>
-              <a:t>12/29/17</a:t>
+              <a:t>1/7/18</a:t>
             </a:fld>
             <a:endParaRPr lang="en-US"/>
           </a:p>
@@ -2531,7 +2531,7 @@
             <a:fld id="{327B613C-1AD7-49D3-885D-F654C5CDBAA6}" type="datetime1">
               <a:rPr lang="en-US" smtClean="0"/>
               <a:pPr/>
-              <a:t>12/29/17</a:t>
+              <a:t>1/7/18</a:t>
             </a:fld>
             <a:endParaRPr lang="en-US" dirty="0"/>
           </a:p>
@@ -2913,7 +2913,7 @@
             <a:fld id="{327B613C-1AD7-49D3-885D-F654C5CDBAA6}" type="datetime1">
               <a:rPr lang="en-US" smtClean="0"/>
               <a:pPr/>
-              <a:t>12/29/17</a:t>
+              <a:t>1/7/18</a:t>
             </a:fld>
             <a:endParaRPr lang="en-US" dirty="0"/>
           </a:p>
@@ -3981,15 +3981,7 @@
             </a:r>
             <a:r>
               <a:rPr lang="en-US" sz="2400" dirty="0" smtClean="0"/>
-              <a:t>genres, </a:t>
-            </a:r>
-            <a:r>
-              <a:rPr lang="en-US" sz="2400" dirty="0" smtClean="0"/>
-              <a:t>were </a:t>
-            </a:r>
-            <a:r>
-              <a:rPr lang="en-US" sz="2400" dirty="0" smtClean="0"/>
-              <a:t>Westerns </a:t>
+              <a:t>genres, were Westerns </a:t>
             </a:r>
             <a:r>
               <a:rPr lang="en-US" sz="2400" dirty="0"/>
@@ -5169,7 +5161,15 @@
             </a:r>
             <a:r>
               <a:rPr lang="en-US" dirty="0"/>
-              <a:t> ratings (greater than 7/10</a:t>
+              <a:t> ratings </a:t>
+            </a:r>
+            <a:r>
+              <a:rPr lang="en-US" dirty="0" smtClean="0"/>
+              <a:t>(greater than 7/</a:t>
+            </a:r>
+            <a:r>
+              <a:rPr lang="en-US" dirty="0"/>
+              <a:t>10</a:t>
             </a:r>
             <a:r>
               <a:rPr lang="en-US" dirty="0" smtClean="0"/>
@@ -5190,7 +5190,6 @@
               <a:rPr lang="en-US" dirty="0" smtClean="0"/>
               <a:t>).</a:t>
             </a:r>
-            <a:endParaRPr lang="en-US" dirty="0" smtClean="0"/>
           </a:p>
           <a:p>
             <a:endParaRPr lang="en-US" dirty="0"/>
@@ -6909,15 +6908,7 @@
           <a:p>
             <a:r>
               <a:rPr lang="en-US" sz="2800" dirty="0" smtClean="0"/>
-              <a:t>Applied movies.mod7 to </a:t>
-            </a:r>
-            <a:r>
-              <a:rPr lang="en-US" sz="2800" dirty="0" smtClean="0"/>
-              <a:t>the predict </a:t>
-            </a:r>
-            <a:r>
-              <a:rPr lang="en-US" sz="2800" dirty="0" smtClean="0"/>
-              <a:t>function for both films</a:t>
+              <a:t>Applied movies.mod7 to the predict function for both films</a:t>
             </a:r>
             <a:endParaRPr lang="en-US" sz="2800" dirty="0"/>
           </a:p>
@@ -8514,11 +8505,7 @@
           <a:p>
             <a:r>
               <a:rPr lang="en-US" dirty="0"/>
-              <a:t>If this number is greater than the threshold value chosen in advance (in the preceding example, </a:t>
-            </a:r>
-            <a:r>
-              <a:rPr lang="en-US" dirty="0"/>
-              <a:t>the optimal threshold was found to </a:t>
+              <a:t>If this number is greater than the threshold value chosen in advance (in the preceding example, the optimal threshold was found to </a:t>
             </a:r>
             <a:r>
               <a:rPr lang="en-US" dirty="0" smtClean="0"/>
@@ -8639,11 +8626,7 @@
             </a:r>
             <a:r>
               <a:rPr lang="en-US" sz="2800" dirty="0" smtClean="0"/>
-              <a:t>may be</a:t>
-            </a:r>
-            <a:r>
-              <a:rPr lang="en-US" sz="2800" dirty="0" smtClean="0"/>
-              <a:t> </a:t>
+              <a:t>may be </a:t>
             </a:r>
             <a:r>
               <a:rPr lang="en-US" sz="2800" dirty="0"/>
@@ -8653,7 +8636,6 @@
               <a:rPr lang="en-US" sz="2800" dirty="0" smtClean="0"/>
               <a:t>quality. </a:t>
             </a:r>
-            <a:endParaRPr lang="en-US" sz="2800" dirty="0" smtClean="0"/>
           </a:p>
           <a:p>
             <a:pPr algn="just"/>
@@ -9180,8 +9162,13 @@
             </a:r>
             <a:r>
               <a:rPr lang="en-US" dirty="0" smtClean="0"/>
-              <a:t>English</a:t>
-            </a:r>
+              <a:t>English and made </a:t>
+            </a:r>
+            <a:r>
+              <a:rPr lang="en-US" dirty="0" smtClean="0"/>
+              <a:t>primarily in either the US or the UK.  </a:t>
+            </a:r>
+            <a:endParaRPr lang="en-US" dirty="0" smtClean="0"/>
           </a:p>
           <a:p>
             <a:pPr marL="114300" indent="0" algn="just">
